--- a/MasterPage/Click Over/NavBar.pptx
+++ b/MasterPage/Click Over/NavBar.pptx
@@ -104,6 +104,11 @@
       </a:defRPr>
     </a:lvl9pPr>
   </p:defaultTextStyle>
+  <p:extLst>
+    <p:ext uri="{EFAFB233-063F-42B5-8137-9DF3F51BA10A}">
+      <p15:sldGuideLst xmlns:p15="http://schemas.microsoft.com/office/powerpoint/2012/main"/>
+    </p:ext>
+  </p:extLst>
 </p:presentation>
 </file>
 
@@ -3689,6 +3694,106 @@
           </a:p>
         </p:txBody>
       </p:sp>
+      <p:pic>
+        <p:nvPicPr>
+          <p:cNvPr id="2" name="Picture 1"/>
+          <p:cNvPicPr>
+            <a:picLocks noChangeAspect="1"/>
+          </p:cNvPicPr>
+          <p:nvPr/>
+        </p:nvPicPr>
+        <p:blipFill>
+          <a:blip r:embed="rId2"/>
+          <a:stretch>
+            <a:fillRect/>
+          </a:stretch>
+        </p:blipFill>
+        <p:spPr>
+          <a:xfrm>
+            <a:off x="5355272" y="3182090"/>
+            <a:ext cx="1481456" cy="493819"/>
+          </a:xfrm>
+          <a:prstGeom prst="rect">
+            <a:avLst/>
+          </a:prstGeom>
+        </p:spPr>
+      </p:pic>
+      <p:pic>
+        <p:nvPicPr>
+          <p:cNvPr id="3" name="Picture 2"/>
+          <p:cNvPicPr>
+            <a:picLocks noChangeAspect="1"/>
+          </p:cNvPicPr>
+          <p:nvPr/>
+        </p:nvPicPr>
+        <p:blipFill rotWithShape="1">
+          <a:blip r:embed="rId3"/>
+          <a:srcRect t="-1" b="-19037"/>
+          <a:stretch/>
+        </p:blipFill>
+        <p:spPr>
+          <a:xfrm>
+            <a:off x="6862797" y="3175912"/>
+            <a:ext cx="1475360" cy="500738"/>
+          </a:xfrm>
+          <a:prstGeom prst="rect">
+            <a:avLst/>
+          </a:prstGeom>
+        </p:spPr>
+      </p:pic>
+      <p:pic>
+        <p:nvPicPr>
+          <p:cNvPr id="4" name="Picture 3"/>
+          <p:cNvPicPr>
+            <a:picLocks noChangeAspect="1"/>
+          </p:cNvPicPr>
+          <p:nvPr/>
+        </p:nvPicPr>
+        <p:blipFill rotWithShape="1">
+          <a:blip r:embed="rId4"/>
+          <a:srcRect b="-19036"/>
+          <a:stretch/>
+        </p:blipFill>
+        <p:spPr>
+          <a:xfrm>
+            <a:off x="8212965" y="3175912"/>
+            <a:ext cx="1481456" cy="500738"/>
+          </a:xfrm>
+          <a:prstGeom prst="rect">
+            <a:avLst/>
+          </a:prstGeom>
+        </p:spPr>
+      </p:pic>
+      <p:cxnSp>
+        <p:nvCxnSpPr>
+          <p:cNvPr id="20" name="Straight Connector 19"/>
+          <p:cNvCxnSpPr/>
+          <p:nvPr/>
+        </p:nvCxnSpPr>
+        <p:spPr>
+          <a:xfrm>
+            <a:off x="6755606" y="3671888"/>
+            <a:ext cx="933450" cy="0"/>
+          </a:xfrm>
+          <a:prstGeom prst="line">
+            <a:avLst/>
+          </a:prstGeom>
+        </p:spPr>
+        <p:style>
+          <a:lnRef idx="1">
+            <a:schemeClr val="accent1"/>
+          </a:lnRef>
+          <a:fillRef idx="0">
+            <a:schemeClr val="accent1"/>
+          </a:fillRef>
+          <a:effectRef idx="0">
+            <a:schemeClr val="accent1"/>
+          </a:effectRef>
+          <a:fontRef idx="minor">
+            <a:schemeClr val="tx1"/>
+          </a:fontRef>
+        </p:style>
+      </p:cxnSp>
     </p:spTree>
     <p:extLst>
       <p:ext uri="{BB962C8B-B14F-4D97-AF65-F5344CB8AC3E}">
